--- a/semester-6/pptx/Esto_J3D118129.pptx
+++ b/semester-6/pptx/Esto_J3D118129.pptx
@@ -237,7 +237,7 @@
           <a:p>
             <a:fld id="{D0E4DE6A-60A1-4923-9508-B14CE296FF3F}" type="datetimeFigureOut">
               <a:rPr lang="en-US" smtClean="0"/>
-              <a:t>2/16/2021</a:t>
+              <a:t>2/18/2021</a:t>
             </a:fld>
             <a:endParaRPr lang="en-US"/>
           </a:p>
@@ -651,7 +651,7 @@
           <a:p>
             <a:fld id="{8E9D17E7-033D-4E73-9175-D1702CC10324}" type="datetimeFigureOut">
               <a:rPr lang="en-US" smtClean="0"/>
-              <a:t>2/16/2021</a:t>
+              <a:t>2/18/2021</a:t>
             </a:fld>
             <a:endParaRPr lang="en-US"/>
           </a:p>
@@ -849,7 +849,7 @@
           <a:p>
             <a:fld id="{8E9D17E7-033D-4E73-9175-D1702CC10324}" type="datetimeFigureOut">
               <a:rPr lang="en-US" smtClean="0"/>
-              <a:t>2/16/2021</a:t>
+              <a:t>2/18/2021</a:t>
             </a:fld>
             <a:endParaRPr lang="en-US"/>
           </a:p>
@@ -1057,7 +1057,7 @@
           <a:p>
             <a:fld id="{8E9D17E7-033D-4E73-9175-D1702CC10324}" type="datetimeFigureOut">
               <a:rPr lang="en-US" smtClean="0"/>
-              <a:t>2/16/2021</a:t>
+              <a:t>2/18/2021</a:t>
             </a:fld>
             <a:endParaRPr lang="en-US"/>
           </a:p>
@@ -1255,7 +1255,7 @@
           <a:p>
             <a:fld id="{8E9D17E7-033D-4E73-9175-D1702CC10324}" type="datetimeFigureOut">
               <a:rPr lang="en-US" smtClean="0"/>
-              <a:t>2/16/2021</a:t>
+              <a:t>2/18/2021</a:t>
             </a:fld>
             <a:endParaRPr lang="en-US"/>
           </a:p>
@@ -1530,7 +1530,7 @@
           <a:p>
             <a:fld id="{8E9D17E7-033D-4E73-9175-D1702CC10324}" type="datetimeFigureOut">
               <a:rPr lang="en-US" smtClean="0"/>
-              <a:t>2/16/2021</a:t>
+              <a:t>2/18/2021</a:t>
             </a:fld>
             <a:endParaRPr lang="en-US"/>
           </a:p>
@@ -1795,7 +1795,7 @@
           <a:p>
             <a:fld id="{8E9D17E7-033D-4E73-9175-D1702CC10324}" type="datetimeFigureOut">
               <a:rPr lang="en-US" smtClean="0"/>
-              <a:t>2/16/2021</a:t>
+              <a:t>2/18/2021</a:t>
             </a:fld>
             <a:endParaRPr lang="en-US"/>
           </a:p>
@@ -2207,7 +2207,7 @@
           <a:p>
             <a:fld id="{8E9D17E7-033D-4E73-9175-D1702CC10324}" type="datetimeFigureOut">
               <a:rPr lang="en-US" smtClean="0"/>
-              <a:t>2/16/2021</a:t>
+              <a:t>2/18/2021</a:t>
             </a:fld>
             <a:endParaRPr lang="en-US"/>
           </a:p>
@@ -2348,7 +2348,7 @@
           <a:p>
             <a:fld id="{8E9D17E7-033D-4E73-9175-D1702CC10324}" type="datetimeFigureOut">
               <a:rPr lang="en-US" smtClean="0"/>
-              <a:t>2/16/2021</a:t>
+              <a:t>2/18/2021</a:t>
             </a:fld>
             <a:endParaRPr lang="en-US"/>
           </a:p>
@@ -2461,7 +2461,7 @@
           <a:p>
             <a:fld id="{8E9D17E7-033D-4E73-9175-D1702CC10324}" type="datetimeFigureOut">
               <a:rPr lang="en-US" smtClean="0"/>
-              <a:t>2/16/2021</a:t>
+              <a:t>2/18/2021</a:t>
             </a:fld>
             <a:endParaRPr lang="en-US"/>
           </a:p>
@@ -2772,7 +2772,7 @@
           <a:p>
             <a:fld id="{8E9D17E7-033D-4E73-9175-D1702CC10324}" type="datetimeFigureOut">
               <a:rPr lang="en-US" smtClean="0"/>
-              <a:t>2/16/2021</a:t>
+              <a:t>2/18/2021</a:t>
             </a:fld>
             <a:endParaRPr lang="en-US"/>
           </a:p>
@@ -3060,7 +3060,7 @@
           <a:p>
             <a:fld id="{8E9D17E7-033D-4E73-9175-D1702CC10324}" type="datetimeFigureOut">
               <a:rPr lang="en-US" smtClean="0"/>
-              <a:t>2/16/2021</a:t>
+              <a:t>2/18/2021</a:t>
             </a:fld>
             <a:endParaRPr lang="en-US"/>
           </a:p>
@@ -3301,7 +3301,7 @@
           <a:p>
             <a:fld id="{8E9D17E7-033D-4E73-9175-D1702CC10324}" type="datetimeFigureOut">
               <a:rPr lang="en-US" smtClean="0"/>
-              <a:t>2/16/2021</a:t>
+              <a:t>2/18/2021</a:t>
             </a:fld>
             <a:endParaRPr lang="en-US"/>
           </a:p>
